--- a/project/Presentation Template.pptx
+++ b/project/Presentation Template.pptx
@@ -23,8 +23,11 @@
     <p:sldId id="270" r:id="rId17"/>
     <p:sldId id="273" r:id="rId18"/>
     <p:sldId id="274" r:id="rId19"/>
-    <p:sldId id="275" r:id="rId20"/>
-    <p:sldId id="259" r:id="rId21"/>
+    <p:sldId id="277" r:id="rId20"/>
+    <p:sldId id="279" r:id="rId21"/>
+    <p:sldId id="278" r:id="rId22"/>
+    <p:sldId id="275" r:id="rId23"/>
+    <p:sldId id="259" r:id="rId24"/>
   </p:sldIdLst>
   <p:sldSz cx="12192000" cy="6858000"/>
   <p:notesSz cx="6858000" cy="9144000"/>
@@ -123,6 +126,11 @@
       </a:defRPr>
     </a:lvl9pPr>
   </p:defaultTextStyle>
+  <p:extLst>
+    <p:ext uri="{EFAFB233-063F-42B5-8137-9DF3F51BA10A}">
+      <p15:sldGuideLst xmlns:p15="http://schemas.microsoft.com/office/powerpoint/2012/main"/>
+    </p:ext>
+  </p:extLst>
 </p:presentation>
 </file>
 
@@ -462,7 +470,7 @@
             <a:fld id="{5923F103-BC34-4FE4-A40E-EDDEECFDA5D0}" type="datetimeFigureOut">
               <a:rPr lang="en-US" smtClean="0"/>
               <a:pPr/>
-              <a:t>5/6/2021</a:t>
+              <a:t>5/7/2021</a:t>
             </a:fld>
             <a:endParaRPr lang="en-US" dirty="0"/>
           </a:p>
@@ -1551,7 +1559,7 @@
           <a:p>
             <a:fld id="{923A1CC3-2375-41D4-9E03-427CAF2A4C1A}" type="datetimeFigureOut">
               <a:rPr lang="en-US" smtClean="0"/>
-              <a:t>5/6/2021</a:t>
+              <a:t>5/7/2021</a:t>
             </a:fld>
             <a:endParaRPr lang="en-US" dirty="0"/>
           </a:p>
@@ -2532,7 +2540,7 @@
           <a:p>
             <a:fld id="{AFF16868-8199-4C2C-A5B1-63AEE139F88E}" type="datetimeFigureOut">
               <a:rPr lang="en-US" smtClean="0"/>
-              <a:t>5/6/2021</a:t>
+              <a:t>5/7/2021</a:t>
             </a:fld>
             <a:endParaRPr lang="en-US" dirty="0"/>
           </a:p>
@@ -3667,7 +3675,7 @@
           <a:p>
             <a:fld id="{2BE451C3-0FF4-47C4-B829-773ADF60F88C}" type="datetimeFigureOut">
               <a:rPr lang="en-US" smtClean="0"/>
-              <a:t>5/6/2021</a:t>
+              <a:t>5/7/2021</a:t>
             </a:fld>
             <a:endParaRPr lang="en-US" dirty="0"/>
           </a:p>
@@ -4702,7 +4710,7 @@
           <a:p>
             <a:fld id="{5C12C299-16B2-4475-990D-751901EACC14}" type="datetimeFigureOut">
               <a:rPr lang="en-US" smtClean="0"/>
-              <a:t>5/6/2021</a:t>
+              <a:t>5/7/2021</a:t>
             </a:fld>
             <a:endParaRPr lang="en-US" dirty="0"/>
           </a:p>
@@ -5363,7 +5371,7 @@
           <a:p>
             <a:fld id="{9FE86839-B9D8-4651-8783-F325ECE74E65}" type="datetimeFigureOut">
               <a:rPr lang="en-US" smtClean="0"/>
-              <a:t>5/6/2021</a:t>
+              <a:t>5/7/2021</a:t>
             </a:fld>
             <a:endParaRPr lang="en-US" dirty="0"/>
           </a:p>
@@ -6225,7 +6233,7 @@
           <a:p>
             <a:fld id="{FD484F64-32F6-45C5-931F-ADC1662401D0}" type="datetimeFigureOut">
               <a:rPr lang="en-US" smtClean="0"/>
-              <a:t>5/6/2021</a:t>
+              <a:t>5/7/2021</a:t>
             </a:fld>
             <a:endParaRPr lang="en-US" dirty="0"/>
           </a:p>
@@ -6416,7 +6424,7 @@
           <a:p>
             <a:fld id="{53086D93-FCAC-47E0-A2EE-787E62CA814C}" type="datetimeFigureOut">
               <a:rPr lang="en-US" smtClean="0"/>
-              <a:t>5/6/2021</a:t>
+              <a:t>5/7/2021</a:t>
             </a:fld>
             <a:endParaRPr lang="en-US" dirty="0"/>
           </a:p>
@@ -7389,7 +7397,7 @@
           <a:p>
             <a:fld id="{CDA879A6-0FD0-4734-A311-86BFCA472E6E}" type="datetimeFigureOut">
               <a:rPr lang="en-US" smtClean="0"/>
-              <a:t>5/6/2021</a:t>
+              <a:t>5/7/2021</a:t>
             </a:fld>
             <a:endParaRPr lang="en-US" dirty="0"/>
           </a:p>
@@ -7601,7 +7609,7 @@
           <a:p>
             <a:fld id="{19C9CA7B-DFD4-44B5-8C60-D14B8CD1FB59}" type="datetimeFigureOut">
               <a:rPr lang="en-US" smtClean="0"/>
-              <a:t>5/6/2021</a:t>
+              <a:t>5/7/2021</a:t>
             </a:fld>
             <a:endParaRPr lang="en-US" dirty="0"/>
           </a:p>
@@ -8636,7 +8644,7 @@
           <a:p>
             <a:fld id="{F34E6425-0181-43F2-84FC-787E803FD2F8}" type="datetimeFigureOut">
               <a:rPr lang="en-US" smtClean="0"/>
-              <a:t>5/6/2021</a:t>
+              <a:t>5/7/2021</a:t>
             </a:fld>
             <a:endParaRPr lang="en-US" dirty="0"/>
           </a:p>
@@ -8909,7 +8917,7 @@
           <a:p>
             <a:fld id="{3BDB8791-F1B0-41E7-B7FD-A781E65C4266}" type="datetimeFigureOut">
               <a:rPr lang="en-US" smtClean="0"/>
-              <a:t>5/6/2021</a:t>
+              <a:t>5/7/2021</a:t>
             </a:fld>
             <a:endParaRPr lang="en-US" dirty="0"/>
           </a:p>
@@ -9320,7 +9328,7 @@
           <a:p>
             <a:fld id="{5FDD63B2-E120-4ED8-B27B-C685F510A5FE}" type="datetimeFigureOut">
               <a:rPr lang="en-US" smtClean="0"/>
-              <a:t>5/6/2021</a:t>
+              <a:t>5/7/2021</a:t>
             </a:fld>
             <a:endParaRPr lang="en-US" dirty="0"/>
           </a:p>
@@ -9448,7 +9456,7 @@
           <a:p>
             <a:fld id="{7AA18ACC-A947-437B-A130-35BD54FDF1E9}" type="datetimeFigureOut">
               <a:rPr lang="en-US" smtClean="0"/>
-              <a:t>5/6/2021</a:t>
+              <a:t>5/7/2021</a:t>
             </a:fld>
             <a:endParaRPr lang="en-US" dirty="0"/>
           </a:p>
@@ -9544,7 +9552,7 @@
           <a:p>
             <a:fld id="{7C8D7E02-BCB8-4D50-A234-369438C08659}" type="datetimeFigureOut">
               <a:rPr lang="en-US" smtClean="0"/>
-              <a:t>5/6/2021</a:t>
+              <a:t>5/7/2021</a:t>
             </a:fld>
             <a:endParaRPr lang="en-US" dirty="0"/>
           </a:p>
@@ -10626,7 +10634,7 @@
           <a:p>
             <a:fld id="{76E86A4C-8E40-4F87-A4F0-01A0687C5742}" type="datetimeFigureOut">
               <a:rPr lang="en-US" smtClean="0"/>
-              <a:t>5/6/2021</a:t>
+              <a:t>5/7/2021</a:t>
             </a:fld>
             <a:endParaRPr lang="en-US" dirty="0"/>
           </a:p>
@@ -11735,7 +11743,7 @@
           <a:p>
             <a:fld id="{35E72C73-2D91-4E12-BA25-F0AA0C03599B}" type="datetimeFigureOut">
               <a:rPr lang="en-US" smtClean="0"/>
-              <a:t>5/6/2021</a:t>
+              <a:t>5/7/2021</a:t>
             </a:fld>
             <a:endParaRPr lang="en-US" dirty="0"/>
           </a:p>
@@ -12733,7 +12741,7 @@
           <a:p>
             <a:fld id="{2BE451C3-0FF4-47C4-B829-773ADF60F88C}" type="datetimeFigureOut">
               <a:rPr lang="en-US" smtClean="0"/>
-              <a:t>5/6/2021</a:t>
+              <a:t>5/7/2021</a:t>
             </a:fld>
             <a:endParaRPr lang="en-US" dirty="0"/>
           </a:p>
@@ -14326,7 +14334,7 @@
           <a:p>
             <a:r>
               <a:rPr lang="en-IN" dirty="0"/>
-              <a:t>Learning &amp; Experiences</a:t>
+              <a:t>SOFTWARE CRAFTSMANSHIP</a:t>
             </a:r>
           </a:p>
         </p:txBody>
@@ -14354,6 +14362,36 @@
           </a:bodyPr>
           <a:lstStyle/>
           <a:p>
+            <a:r>
+              <a:rPr lang="en-US" dirty="0"/>
+              <a:t>MAKING software designs THAT ARE</a:t>
+            </a:r>
+          </a:p>
+          <a:p>
+            <a:pPr marL="342900" indent="-342900">
+              <a:buFontTx/>
+              <a:buChar char="-"/>
+            </a:pPr>
+            <a:r>
+              <a:rPr lang="en-US" dirty="0"/>
+              <a:t>more understandable,</a:t>
+            </a:r>
+          </a:p>
+          <a:p>
+            <a:r>
+              <a:rPr lang="en-US" dirty="0"/>
+              <a:t>-    flexible, </a:t>
+            </a:r>
+          </a:p>
+          <a:p>
+            <a:pPr marL="342900" indent="-342900">
+              <a:buFontTx/>
+              <a:buChar char="-"/>
+            </a:pPr>
+            <a:r>
+              <a:rPr lang="en-US" dirty="0"/>
+              <a:t>and maintainable.</a:t>
+            </a:r>
             <a:endParaRPr lang="en-IN" dirty="0"/>
           </a:p>
         </p:txBody>
@@ -14361,7 +14399,7 @@
     </p:spTree>
     <p:extLst>
       <p:ext uri="{BB962C8B-B14F-4D97-AF65-F5344CB8AC3E}">
-        <p14:creationId xmlns:p14="http://schemas.microsoft.com/office/powerpoint/2010/main" val="113394015"/>
+        <p14:creationId xmlns:p14="http://schemas.microsoft.com/office/powerpoint/2010/main" val="829251418"/>
       </p:ext>
     </p:extLst>
   </p:cSld>
@@ -14461,6 +14499,351 @@
 </file>
 
 <file path=ppt/slides/slide20.xml><?xml version="1.0" encoding="utf-8"?>
+<p:sld xmlns:a="http://schemas.openxmlformats.org/drawingml/2006/main" xmlns:r="http://schemas.openxmlformats.org/officeDocument/2006/relationships" xmlns:p="http://schemas.openxmlformats.org/presentationml/2006/main">
+  <p:cSld>
+    <p:spTree>
+      <p:nvGrpSpPr>
+        <p:cNvPr id="1" name=""/>
+        <p:cNvGrpSpPr/>
+        <p:nvPr/>
+      </p:nvGrpSpPr>
+      <p:grpSpPr>
+        <a:xfrm>
+          <a:off x="0" y="0"/>
+          <a:ext cx="0" cy="0"/>
+          <a:chOff x="0" y="0"/>
+          <a:chExt cx="0" cy="0"/>
+        </a:xfrm>
+      </p:grpSpPr>
+    </p:spTree>
+    <p:extLst>
+      <p:ext uri="{BB962C8B-B14F-4D97-AF65-F5344CB8AC3E}">
+        <p14:creationId xmlns:p14="http://schemas.microsoft.com/office/powerpoint/2010/main" val="1232062698"/>
+      </p:ext>
+    </p:extLst>
+  </p:cSld>
+  <p:clrMapOvr>
+    <a:masterClrMapping/>
+  </p:clrMapOvr>
+</p:sld>
+</file>
+
+<file path=ppt/slides/slide21.xml><?xml version="1.0" encoding="utf-8"?>
+<p:sld xmlns:a="http://schemas.openxmlformats.org/drawingml/2006/main" xmlns:r="http://schemas.openxmlformats.org/officeDocument/2006/relationships" xmlns:p="http://schemas.openxmlformats.org/presentationml/2006/main">
+  <p:cSld>
+    <p:spTree>
+      <p:nvGrpSpPr>
+        <p:cNvPr id="1" name=""/>
+        <p:cNvGrpSpPr/>
+        <p:nvPr/>
+      </p:nvGrpSpPr>
+      <p:grpSpPr>
+        <a:xfrm>
+          <a:off x="0" y="0"/>
+          <a:ext cx="0" cy="0"/>
+          <a:chOff x="0" y="0"/>
+          <a:chExt cx="0" cy="0"/>
+        </a:xfrm>
+      </p:grpSpPr>
+      <p:sp>
+        <p:nvSpPr>
+          <p:cNvPr id="2" name="Title 1">
+            <a:extLst>
+              <a:ext uri="{FF2B5EF4-FFF2-40B4-BE49-F238E27FC236}">
+                <a16:creationId xmlns:a16="http://schemas.microsoft.com/office/drawing/2014/main" id="{0B2C34D1-24AA-463D-8C33-0614E40597B4}"/>
+              </a:ext>
+            </a:extLst>
+          </p:cNvPr>
+          <p:cNvSpPr>
+            <a:spLocks noGrp="1"/>
+          </p:cNvSpPr>
+          <p:nvPr>
+            <p:ph type="title"/>
+          </p:nvPr>
+        </p:nvSpPr>
+        <p:spPr>
+          <a:xfrm>
+            <a:off x="432143" y="381486"/>
+            <a:ext cx="8761413" cy="706964"/>
+          </a:xfrm>
+        </p:spPr>
+        <p:txBody>
+          <a:bodyPr/>
+          <a:lstStyle/>
+          <a:p>
+            <a:r>
+              <a:rPr lang="en-IN" dirty="0"/>
+              <a:t>SOLID Principles Applied</a:t>
+            </a:r>
+          </a:p>
+        </p:txBody>
+      </p:sp>
+      <p:pic>
+        <p:nvPicPr>
+          <p:cNvPr id="1028" name="Picture 4" descr="http://brendan.enrick.com/image.axd?picture=SingleResponsibilityPrinciple.jpg">
+            <a:extLst>
+              <a:ext uri="{FF2B5EF4-FFF2-40B4-BE49-F238E27FC236}">
+                <a16:creationId xmlns:a16="http://schemas.microsoft.com/office/drawing/2014/main" id="{E5562238-241E-4A6A-87A4-FC535E93E233}"/>
+              </a:ext>
+            </a:extLst>
+          </p:cNvPr>
+          <p:cNvPicPr>
+            <a:picLocks noChangeAspect="1" noChangeArrowheads="1"/>
+          </p:cNvPicPr>
+          <p:nvPr/>
+        </p:nvPicPr>
+        <p:blipFill>
+          <a:blip r:embed="rId2">
+            <a:extLst>
+              <a:ext uri="{28A0092B-C50C-407E-A947-70E740481C1C}">
+                <a14:useLocalDpi xmlns:a14="http://schemas.microsoft.com/office/drawing/2010/main" val="0"/>
+              </a:ext>
+            </a:extLst>
+          </a:blip>
+          <a:srcRect/>
+          <a:stretch>
+            <a:fillRect/>
+          </a:stretch>
+        </p:blipFill>
+        <p:spPr bwMode="auto">
+          <a:xfrm>
+            <a:off x="556835" y="1531018"/>
+            <a:ext cx="2783308" cy="2783308"/>
+          </a:xfrm>
+          <a:prstGeom prst="rect">
+            <a:avLst/>
+          </a:prstGeom>
+          <a:noFill/>
+          <a:extLst>
+            <a:ext uri="{909E8E84-426E-40DD-AFC4-6F175D3DCCD1}">
+              <a14:hiddenFill xmlns:a14="http://schemas.microsoft.com/office/drawing/2010/main">
+                <a:solidFill>
+                  <a:srgbClr val="FFFFFF"/>
+                </a:solidFill>
+              </a14:hiddenFill>
+            </a:ext>
+          </a:extLst>
+        </p:spPr>
+      </p:pic>
+      <p:pic>
+        <p:nvPicPr>
+          <p:cNvPr id="4" name="Picture 3">
+            <a:extLst>
+              <a:ext uri="{FF2B5EF4-FFF2-40B4-BE49-F238E27FC236}">
+                <a16:creationId xmlns:a16="http://schemas.microsoft.com/office/drawing/2014/main" id="{94388559-FBC0-4B8C-98FD-FE452A6E79BA}"/>
+              </a:ext>
+            </a:extLst>
+          </p:cNvPr>
+          <p:cNvPicPr>
+            <a:picLocks noChangeAspect="1"/>
+          </p:cNvPicPr>
+          <p:nvPr/>
+        </p:nvPicPr>
+        <p:blipFill>
+          <a:blip r:embed="rId3"/>
+          <a:stretch>
+            <a:fillRect/>
+          </a:stretch>
+        </p:blipFill>
+        <p:spPr>
+          <a:xfrm>
+            <a:off x="2915634" y="4080431"/>
+            <a:ext cx="2783308" cy="2777569"/>
+          </a:xfrm>
+          <a:prstGeom prst="rect">
+            <a:avLst/>
+          </a:prstGeom>
+        </p:spPr>
+      </p:pic>
+      <p:pic>
+        <p:nvPicPr>
+          <p:cNvPr id="5" name="Picture 4">
+            <a:extLst>
+              <a:ext uri="{FF2B5EF4-FFF2-40B4-BE49-F238E27FC236}">
+                <a16:creationId xmlns:a16="http://schemas.microsoft.com/office/drawing/2014/main" id="{6DD372F4-778C-47C1-8DE9-A607CA27FCC1}"/>
+              </a:ext>
+            </a:extLst>
+          </p:cNvPr>
+          <p:cNvPicPr>
+            <a:picLocks noChangeAspect="1"/>
+          </p:cNvPicPr>
+          <p:nvPr/>
+        </p:nvPicPr>
+        <p:blipFill>
+          <a:blip r:embed="rId4"/>
+          <a:stretch>
+            <a:fillRect/>
+          </a:stretch>
+        </p:blipFill>
+        <p:spPr>
+          <a:xfrm>
+            <a:off x="6774229" y="3999468"/>
+            <a:ext cx="2932611" cy="2783309"/>
+          </a:xfrm>
+          <a:prstGeom prst="rect">
+            <a:avLst/>
+          </a:prstGeom>
+        </p:spPr>
+      </p:pic>
+      <p:pic>
+        <p:nvPicPr>
+          <p:cNvPr id="6" name="Picture 5">
+            <a:extLst>
+              <a:ext uri="{FF2B5EF4-FFF2-40B4-BE49-F238E27FC236}">
+                <a16:creationId xmlns:a16="http://schemas.microsoft.com/office/drawing/2014/main" id="{7B1599C6-39F4-47AF-AA82-ABA22EF1B576}"/>
+              </a:ext>
+            </a:extLst>
+          </p:cNvPr>
+          <p:cNvPicPr>
+            <a:picLocks noChangeAspect="1"/>
+          </p:cNvPicPr>
+          <p:nvPr/>
+        </p:nvPicPr>
+        <p:blipFill>
+          <a:blip r:embed="rId5"/>
+          <a:stretch>
+            <a:fillRect/>
+          </a:stretch>
+        </p:blipFill>
+        <p:spPr>
+          <a:xfrm>
+            <a:off x="8708520" y="1088450"/>
+            <a:ext cx="3026118" cy="3013665"/>
+          </a:xfrm>
+          <a:prstGeom prst="rect">
+            <a:avLst/>
+          </a:prstGeom>
+        </p:spPr>
+      </p:pic>
+      <p:pic>
+        <p:nvPicPr>
+          <p:cNvPr id="7" name="Picture 6">
+            <a:extLst>
+              <a:ext uri="{FF2B5EF4-FFF2-40B4-BE49-F238E27FC236}">
+                <a16:creationId xmlns:a16="http://schemas.microsoft.com/office/drawing/2014/main" id="{FDB75099-D862-45B9-A09C-97630FA3C312}"/>
+              </a:ext>
+            </a:extLst>
+          </p:cNvPr>
+          <p:cNvPicPr>
+            <a:picLocks noChangeAspect="1"/>
+          </p:cNvPicPr>
+          <p:nvPr/>
+        </p:nvPicPr>
+        <p:blipFill>
+          <a:blip r:embed="rId6"/>
+          <a:stretch>
+            <a:fillRect/>
+          </a:stretch>
+        </p:blipFill>
+        <p:spPr>
+          <a:xfrm>
+            <a:off x="4928654" y="1463041"/>
+            <a:ext cx="2617390" cy="2617390"/>
+          </a:xfrm>
+          <a:prstGeom prst="rect">
+            <a:avLst/>
+          </a:prstGeom>
+        </p:spPr>
+      </p:pic>
+    </p:spTree>
+    <p:extLst>
+      <p:ext uri="{BB962C8B-B14F-4D97-AF65-F5344CB8AC3E}">
+        <p14:creationId xmlns:p14="http://schemas.microsoft.com/office/powerpoint/2010/main" val="343085387"/>
+      </p:ext>
+    </p:extLst>
+  </p:cSld>
+  <p:clrMapOvr>
+    <a:masterClrMapping/>
+  </p:clrMapOvr>
+</p:sld>
+</file>
+
+<file path=ppt/slides/slide22.xml><?xml version="1.0" encoding="utf-8"?>
+<p:sld xmlns:a="http://schemas.openxmlformats.org/drawingml/2006/main" xmlns:r="http://schemas.openxmlformats.org/officeDocument/2006/relationships" xmlns:p="http://schemas.openxmlformats.org/presentationml/2006/main">
+  <p:cSld>
+    <p:spTree>
+      <p:nvGrpSpPr>
+        <p:cNvPr id="1" name=""/>
+        <p:cNvGrpSpPr/>
+        <p:nvPr/>
+      </p:nvGrpSpPr>
+      <p:grpSpPr>
+        <a:xfrm>
+          <a:off x="0" y="0"/>
+          <a:ext cx="0" cy="0"/>
+          <a:chOff x="0" y="0"/>
+          <a:chExt cx="0" cy="0"/>
+        </a:xfrm>
+      </p:grpSpPr>
+      <p:sp>
+        <p:nvSpPr>
+          <p:cNvPr id="2" name="Title 1">
+            <a:extLst>
+              <a:ext uri="{FF2B5EF4-FFF2-40B4-BE49-F238E27FC236}">
+                <a16:creationId xmlns:a16="http://schemas.microsoft.com/office/drawing/2014/main" id="{DDAF064C-B834-40C1-A65E-FA4592C29177}"/>
+              </a:ext>
+            </a:extLst>
+          </p:cNvPr>
+          <p:cNvSpPr>
+            <a:spLocks noGrp="1"/>
+          </p:cNvSpPr>
+          <p:nvPr>
+            <p:ph type="title"/>
+          </p:nvPr>
+        </p:nvSpPr>
+        <p:spPr/>
+        <p:txBody>
+          <a:bodyPr/>
+          <a:lstStyle/>
+          <a:p>
+            <a:r>
+              <a:rPr lang="en-IN" dirty="0"/>
+              <a:t>Learning &amp; Experiences</a:t>
+            </a:r>
+          </a:p>
+        </p:txBody>
+      </p:sp>
+      <p:sp>
+        <p:nvSpPr>
+          <p:cNvPr id="3" name="Text Placeholder 2">
+            <a:extLst>
+              <a:ext uri="{FF2B5EF4-FFF2-40B4-BE49-F238E27FC236}">
+                <a16:creationId xmlns:a16="http://schemas.microsoft.com/office/drawing/2014/main" id="{08F65B3E-E650-499A-892B-D4F14BA272BB}"/>
+              </a:ext>
+            </a:extLst>
+          </p:cNvPr>
+          <p:cNvSpPr>
+            <a:spLocks noGrp="1"/>
+          </p:cNvSpPr>
+          <p:nvPr>
+            <p:ph type="body" idx="1"/>
+          </p:nvPr>
+        </p:nvSpPr>
+        <p:spPr/>
+        <p:txBody>
+          <a:bodyPr>
+            <a:normAutofit/>
+          </a:bodyPr>
+          <a:lstStyle/>
+          <a:p>
+            <a:endParaRPr lang="en-IN" dirty="0"/>
+          </a:p>
+        </p:txBody>
+      </p:sp>
+    </p:spTree>
+    <p:extLst>
+      <p:ext uri="{BB962C8B-B14F-4D97-AF65-F5344CB8AC3E}">
+        <p14:creationId xmlns:p14="http://schemas.microsoft.com/office/powerpoint/2010/main" val="113394015"/>
+      </p:ext>
+    </p:extLst>
+  </p:cSld>
+  <p:clrMapOvr>
+    <a:masterClrMapping/>
+  </p:clrMapOvr>
+</p:sld>
+</file>
+
+<file path=ppt/slides/slide23.xml><?xml version="1.0" encoding="utf-8"?>
 <p:sld xmlns:a="http://schemas.openxmlformats.org/drawingml/2006/main" xmlns:r="http://schemas.openxmlformats.org/officeDocument/2006/relationships" xmlns:p="http://schemas.openxmlformats.org/presentationml/2006/main">
   <p:cSld>
     <p:spTree>

--- a/project/Presentation Template.pptx
+++ b/project/Presentation Template.pptx
@@ -17,7 +17,7 @@
     <p:sldId id="266" r:id="rId11"/>
     <p:sldId id="267" r:id="rId12"/>
     <p:sldId id="271" r:id="rId13"/>
-    <p:sldId id="272" r:id="rId14"/>
+    <p:sldId id="280" r:id="rId14"/>
     <p:sldId id="268" r:id="rId15"/>
     <p:sldId id="269" r:id="rId16"/>
     <p:sldId id="270" r:id="rId17"/>
@@ -25,9 +25,8 @@
     <p:sldId id="274" r:id="rId19"/>
     <p:sldId id="277" r:id="rId20"/>
     <p:sldId id="279" r:id="rId21"/>
-    <p:sldId id="278" r:id="rId22"/>
-    <p:sldId id="275" r:id="rId23"/>
-    <p:sldId id="259" r:id="rId24"/>
+    <p:sldId id="275" r:id="rId22"/>
+    <p:sldId id="259" r:id="rId23"/>
   </p:sldIdLst>
   <p:sldSz cx="12192000" cy="6858000"/>
   <p:notesSz cx="6858000" cy="9144000"/>
@@ -13667,8 +13666,35 @@
           <a:lstStyle/>
           <a:p>
             <a:r>
+              <a:rPr lang="en-IN" b="1" dirty="0"/>
+              <a:t>Test</a:t>
+            </a:r>
+            <a:r>
               <a:rPr lang="en-IN" dirty="0"/>
-              <a:t>Testing</a:t>
+              <a:t>-</a:t>
+            </a:r>
+            <a:r>
+              <a:rPr lang="en-IN" b="1" dirty="0"/>
+              <a:t>driven development</a:t>
+            </a:r>
+            <a:r>
+              <a:rPr lang="en-IN" dirty="0"/>
+              <a:t> </a:t>
+            </a:r>
+            <a:br>
+              <a:rPr lang="en-IN" dirty="0"/>
+            </a:br>
+            <a:r>
+              <a:rPr lang="en-IN" dirty="0"/>
+              <a:t>(</a:t>
+            </a:r>
+            <a:r>
+              <a:rPr lang="en-IN" b="1" dirty="0"/>
+              <a:t>TDD</a:t>
+            </a:r>
+            <a:r>
+              <a:rPr lang="en-IN" dirty="0"/>
+              <a:t>) </a:t>
             </a:r>
           </a:p>
         </p:txBody>
@@ -13689,25 +13715,36 @@
             <p:ph type="body" idx="1"/>
           </p:nvPr>
         </p:nvSpPr>
-        <p:spPr/>
+        <p:spPr>
+          <a:xfrm>
+            <a:off x="6523703" y="2677645"/>
+            <a:ext cx="3757545" cy="2283824"/>
+          </a:xfrm>
+        </p:spPr>
         <p:txBody>
           <a:bodyPr>
             <a:normAutofit/>
           </a:bodyPr>
           <a:lstStyle/>
           <a:p>
+            <a:endParaRPr lang="en-IN" dirty="0"/>
+          </a:p>
+          <a:p>
             <a:r>
               <a:rPr lang="en-IN" dirty="0"/>
-              <a:t>Testing with </a:t>
+              <a:t>Testing (Junit)  CODE COVERAGE (</a:t>
             </a:r>
             <a:r>
               <a:rPr lang="en-IN" dirty="0" err="1"/>
-              <a:t>junit</a:t>
+              <a:t>Jacoco</a:t>
             </a:r>
             <a:r>
               <a:rPr lang="en-IN" dirty="0"/>
-              <a:t> </a:t>
-            </a:r>
+              <a:t>) </a:t>
+            </a:r>
+          </a:p>
+          <a:p>
+            <a:endParaRPr lang="en-IN" dirty="0"/>
           </a:p>
         </p:txBody>
       </p:sp>
@@ -13746,7 +13783,7 @@
           <p:cNvPr id="2" name="Title 1">
             <a:extLst>
               <a:ext uri="{FF2B5EF4-FFF2-40B4-BE49-F238E27FC236}">
-                <a16:creationId xmlns:a16="http://schemas.microsoft.com/office/drawing/2014/main" id="{B9438D55-1DD1-4FC8-9037-FF16BFABB172}"/>
+                <a16:creationId xmlns:a16="http://schemas.microsoft.com/office/drawing/2014/main" id="{0CA69809-10D1-47F2-8203-C0B60A01476A}"/>
               </a:ext>
             </a:extLst>
           </p:cNvPr>
@@ -13762,39 +13799,280 @@
           <a:bodyPr/>
           <a:lstStyle/>
           <a:p>
-            <a:endParaRPr lang="en-IN"/>
+            <a:r>
+              <a:rPr lang="en-IN" dirty="0"/>
+              <a:t>TDD with JUNIT5</a:t>
+            </a:r>
+          </a:p>
+        </p:txBody>
+      </p:sp>
+      <p:pic>
+        <p:nvPicPr>
+          <p:cNvPr id="4" name="Picture 3">
+            <a:extLst>
+              <a:ext uri="{FF2B5EF4-FFF2-40B4-BE49-F238E27FC236}">
+                <a16:creationId xmlns:a16="http://schemas.microsoft.com/office/drawing/2014/main" id="{75682FED-4A2F-443A-8885-6F6C285E9D3C}"/>
+              </a:ext>
+            </a:extLst>
+          </p:cNvPr>
+          <p:cNvPicPr>
+            <a:picLocks noChangeAspect="1"/>
+          </p:cNvPicPr>
+          <p:nvPr/>
+        </p:nvPicPr>
+        <p:blipFill>
+          <a:blip r:embed="rId2"/>
+          <a:stretch>
+            <a:fillRect/>
+          </a:stretch>
+        </p:blipFill>
+        <p:spPr>
+          <a:xfrm>
+            <a:off x="586260" y="3539579"/>
+            <a:ext cx="3586116" cy="1447852"/>
+          </a:xfrm>
+          <a:prstGeom prst="rect">
+            <a:avLst/>
+          </a:prstGeom>
+        </p:spPr>
+      </p:pic>
+      <p:pic>
+        <p:nvPicPr>
+          <p:cNvPr id="5" name="Picture 4">
+            <a:extLst>
+              <a:ext uri="{FF2B5EF4-FFF2-40B4-BE49-F238E27FC236}">
+                <a16:creationId xmlns:a16="http://schemas.microsoft.com/office/drawing/2014/main" id="{4F02480A-5BF6-4222-8955-71155343701B}"/>
+              </a:ext>
+            </a:extLst>
+          </p:cNvPr>
+          <p:cNvPicPr>
+            <a:picLocks noChangeAspect="1"/>
+          </p:cNvPicPr>
+          <p:nvPr/>
+        </p:nvPicPr>
+        <p:blipFill>
+          <a:blip r:embed="rId3"/>
+          <a:stretch>
+            <a:fillRect/>
+          </a:stretch>
+        </p:blipFill>
+        <p:spPr>
+          <a:xfrm>
+            <a:off x="5054003" y="3429000"/>
+            <a:ext cx="6062034" cy="3214099"/>
+          </a:xfrm>
+          <a:prstGeom prst="rect">
+            <a:avLst/>
+          </a:prstGeom>
+        </p:spPr>
+      </p:pic>
+      <p:sp>
+        <p:nvSpPr>
+          <p:cNvPr id="6" name="Rectangle 5">
+            <a:extLst>
+              <a:ext uri="{FF2B5EF4-FFF2-40B4-BE49-F238E27FC236}">
+                <a16:creationId xmlns:a16="http://schemas.microsoft.com/office/drawing/2014/main" id="{9D4C9305-663D-4C41-84B6-23BFCA1DB04D}"/>
+              </a:ext>
+            </a:extLst>
+          </p:cNvPr>
+          <p:cNvSpPr/>
+          <p:nvPr/>
+        </p:nvSpPr>
+        <p:spPr>
+          <a:xfrm>
+            <a:off x="437940" y="2395092"/>
+            <a:ext cx="2929008" cy="923330"/>
+          </a:xfrm>
+          <a:prstGeom prst="rect">
+            <a:avLst/>
+          </a:prstGeom>
+          <a:noFill/>
+        </p:spPr>
+        <p:txBody>
+          <a:bodyPr wrap="none" lIns="91440" tIns="45720" rIns="91440" bIns="45720">
+            <a:spAutoFit/>
+          </a:bodyPr>
+          <a:lstStyle/>
+          <a:p>
+            <a:pPr algn="ctr"/>
+            <a:r>
+              <a:rPr lang="en-US" sz="2400" dirty="0">
+                <a:ln w="0"/>
+                <a:effectLst>
+                  <a:reflection blurRad="6350" stA="53000" endA="300" endPos="35500" dir="5400000" sy="-90000" algn="bl" rotWithShape="0"/>
+                </a:effectLst>
+              </a:rPr>
+              <a:t>Traditional</a:t>
+            </a:r>
+            <a:r>
+              <a:rPr lang="en-US" sz="5400" dirty="0">
+                <a:ln w="0"/>
+                <a:effectLst>
+                  <a:reflection blurRad="6350" stA="53000" endA="300" endPos="35500" dir="5400000" sy="-90000" algn="bl" rotWithShape="0"/>
+                </a:effectLst>
+              </a:rPr>
+              <a:t> </a:t>
+            </a:r>
+            <a:r>
+              <a:rPr lang="en-US" sz="2400" dirty="0">
+                <a:ln w="0"/>
+                <a:effectLst>
+                  <a:reflection blurRad="6350" stA="53000" endA="300" endPos="35500" dir="5400000" sy="-90000" algn="bl" rotWithShape="0"/>
+                </a:effectLst>
+              </a:rPr>
+              <a:t>Testing</a:t>
+            </a:r>
+            <a:endParaRPr lang="en-US" sz="5400" cap="none" spc="0" dirty="0">
+              <a:ln w="9525">
+                <a:solidFill>
+                  <a:schemeClr val="bg1"/>
+                </a:solidFill>
+                <a:prstDash val="solid"/>
+              </a:ln>
+              <a:effectLst>
+                <a:outerShdw blurRad="12700" dist="38100" dir="2700000" algn="tl" rotWithShape="0">
+                  <a:schemeClr val="accent5">
+                    <a:lumMod val="60000"/>
+                    <a:lumOff val="40000"/>
+                  </a:schemeClr>
+                </a:outerShdw>
+              </a:effectLst>
+            </a:endParaRPr>
           </a:p>
         </p:txBody>
       </p:sp>
       <p:sp>
         <p:nvSpPr>
-          <p:cNvPr id="3" name="Text Placeholder 2">
+          <p:cNvPr id="7" name="Rectangle 6">
             <a:extLst>
               <a:ext uri="{FF2B5EF4-FFF2-40B4-BE49-F238E27FC236}">
-                <a16:creationId xmlns:a16="http://schemas.microsoft.com/office/drawing/2014/main" id="{99139BA7-5D9E-44EA-B4B0-E79D9F04BCB4}"/>
+                <a16:creationId xmlns:a16="http://schemas.microsoft.com/office/drawing/2014/main" id="{C5F0A84F-04E7-4E17-B247-25302AED13FB}"/>
               </a:ext>
             </a:extLst>
           </p:cNvPr>
-          <p:cNvSpPr>
-            <a:spLocks noGrp="1"/>
-          </p:cNvSpPr>
-          <p:nvPr>
-            <p:ph type="body" idx="1"/>
-          </p:nvPr>
+          <p:cNvSpPr/>
+          <p:nvPr/>
         </p:nvSpPr>
-        <p:spPr/>
+        <p:spPr>
+          <a:xfrm>
+            <a:off x="4264977" y="2819399"/>
+            <a:ext cx="6851060" cy="400110"/>
+          </a:xfrm>
+          <a:prstGeom prst="rect">
+            <a:avLst/>
+          </a:prstGeom>
+          <a:noFill/>
+        </p:spPr>
         <p:txBody>
-          <a:bodyPr/>
+          <a:bodyPr wrap="square" lIns="91440" tIns="45720" rIns="91440" bIns="45720">
+            <a:spAutoFit/>
+          </a:bodyPr>
           <a:lstStyle/>
           <a:p>
-            <a:endParaRPr lang="en-IN"/>
+            <a:pPr algn="ctr"/>
+            <a:r>
+              <a:rPr lang="en-US" sz="2000" dirty="0">
+                <a:ln w="0"/>
+                <a:gradFill>
+                  <a:gsLst>
+                    <a:gs pos="0">
+                      <a:schemeClr val="accent5">
+                        <a:lumMod val="50000"/>
+                      </a:schemeClr>
+                    </a:gs>
+                    <a:gs pos="50000">
+                      <a:schemeClr val="accent5"/>
+                    </a:gs>
+                    <a:gs pos="100000">
+                      <a:schemeClr val="accent5">
+                        <a:lumMod val="60000"/>
+                        <a:lumOff val="40000"/>
+                      </a:schemeClr>
+                    </a:gs>
+                  </a:gsLst>
+                  <a:lin ang="5400000"/>
+                </a:gradFill>
+                <a:effectLst>
+                  <a:reflection blurRad="6350" stA="53000" endA="300" endPos="35500" dir="5400000" sy="-90000" algn="bl" rotWithShape="0"/>
+                </a:effectLst>
+              </a:rPr>
+              <a:t>TDD + </a:t>
+            </a:r>
+            <a:r>
+              <a:rPr lang="en-US" sz="2000" b="1" dirty="0">
+                <a:ln w="0"/>
+                <a:solidFill>
+                  <a:schemeClr val="accent1">
+                    <a:lumMod val="60000"/>
+                    <a:lumOff val="40000"/>
+                  </a:schemeClr>
+                </a:solidFill>
+                <a:effectLst>
+                  <a:reflection blurRad="6350" stA="53000" endA="300" endPos="35500" dir="5400000" sy="-90000" algn="bl" rotWithShape="0"/>
+                </a:effectLst>
+              </a:rPr>
+              <a:t>SO</a:t>
+            </a:r>
+            <a:r>
+              <a:rPr lang="en-US" sz="2000" dirty="0">
+                <a:ln w="0"/>
+                <a:gradFill>
+                  <a:gsLst>
+                    <a:gs pos="0">
+                      <a:schemeClr val="accent5">
+                        <a:lumMod val="50000"/>
+                      </a:schemeClr>
+                    </a:gs>
+                    <a:gs pos="50000">
+                      <a:schemeClr val="accent5"/>
+                    </a:gs>
+                    <a:gs pos="100000">
+                      <a:schemeClr val="accent5">
+                        <a:lumMod val="60000"/>
+                        <a:lumOff val="40000"/>
+                      </a:schemeClr>
+                    </a:gs>
+                  </a:gsLst>
+                  <a:lin ang="5400000"/>
+                </a:gradFill>
+                <a:effectLst>
+                  <a:reflection blurRad="6350" stA="53000" endA="300" endPos="35500" dir="5400000" sy="-90000" algn="bl" rotWithShape="0"/>
+                </a:effectLst>
+              </a:rPr>
+              <a:t>LID Principles applied</a:t>
+            </a:r>
+            <a:endParaRPr lang="en-US" sz="2000" b="0" cap="none" spc="0" dirty="0">
+              <a:ln w="0"/>
+              <a:gradFill>
+                <a:gsLst>
+                  <a:gs pos="0">
+                    <a:schemeClr val="accent5">
+                      <a:lumMod val="50000"/>
+                    </a:schemeClr>
+                  </a:gs>
+                  <a:gs pos="50000">
+                    <a:schemeClr val="accent5"/>
+                  </a:gs>
+                  <a:gs pos="100000">
+                    <a:schemeClr val="accent5">
+                      <a:lumMod val="60000"/>
+                      <a:lumOff val="40000"/>
+                    </a:schemeClr>
+                  </a:gs>
+                </a:gsLst>
+                <a:lin ang="5400000"/>
+              </a:gradFill>
+              <a:effectLst>
+                <a:reflection blurRad="6350" stA="53000" endA="300" endPos="35500" dir="5400000" sy="-90000" algn="bl" rotWithShape="0"/>
+              </a:effectLst>
+            </a:endParaRPr>
           </a:p>
         </p:txBody>
       </p:sp>
     </p:spTree>
     <p:extLst>
       <p:ext uri="{BB962C8B-B14F-4D97-AF65-F5344CB8AC3E}">
-        <p14:creationId xmlns:p14="http://schemas.microsoft.com/office/powerpoint/2010/main" val="730384367"/>
+        <p14:creationId xmlns:p14="http://schemas.microsoft.com/office/powerpoint/2010/main" val="1849193727"/>
       </p:ext>
     </p:extLst>
   </p:cSld>
@@ -14515,75 +14793,12 @@
           <a:chExt cx="0" cy="0"/>
         </a:xfrm>
       </p:grpSpPr>
-    </p:spTree>
-    <p:extLst>
-      <p:ext uri="{BB962C8B-B14F-4D97-AF65-F5344CB8AC3E}">
-        <p14:creationId xmlns:p14="http://schemas.microsoft.com/office/powerpoint/2010/main" val="1232062698"/>
-      </p:ext>
-    </p:extLst>
-  </p:cSld>
-  <p:clrMapOvr>
-    <a:masterClrMapping/>
-  </p:clrMapOvr>
-</p:sld>
-</file>
-
-<file path=ppt/slides/slide21.xml><?xml version="1.0" encoding="utf-8"?>
-<p:sld xmlns:a="http://schemas.openxmlformats.org/drawingml/2006/main" xmlns:r="http://schemas.openxmlformats.org/officeDocument/2006/relationships" xmlns:p="http://schemas.openxmlformats.org/presentationml/2006/main">
-  <p:cSld>
-    <p:spTree>
-      <p:nvGrpSpPr>
-        <p:cNvPr id="1" name=""/>
-        <p:cNvGrpSpPr/>
-        <p:nvPr/>
-      </p:nvGrpSpPr>
-      <p:grpSpPr>
-        <a:xfrm>
-          <a:off x="0" y="0"/>
-          <a:ext cx="0" cy="0"/>
-          <a:chOff x="0" y="0"/>
-          <a:chExt cx="0" cy="0"/>
-        </a:xfrm>
-      </p:grpSpPr>
-      <p:sp>
-        <p:nvSpPr>
-          <p:cNvPr id="2" name="Title 1">
+      <p:pic>
+        <p:nvPicPr>
+          <p:cNvPr id="2" name="Picture 4" descr="http://brendan.enrick.com/image.axd?picture=SingleResponsibilityPrinciple.jpg">
             <a:extLst>
               <a:ext uri="{FF2B5EF4-FFF2-40B4-BE49-F238E27FC236}">
-                <a16:creationId xmlns:a16="http://schemas.microsoft.com/office/drawing/2014/main" id="{0B2C34D1-24AA-463D-8C33-0614E40597B4}"/>
-              </a:ext>
-            </a:extLst>
-          </p:cNvPr>
-          <p:cNvSpPr>
-            <a:spLocks noGrp="1"/>
-          </p:cNvSpPr>
-          <p:nvPr>
-            <p:ph type="title"/>
-          </p:nvPr>
-        </p:nvSpPr>
-        <p:spPr>
-          <a:xfrm>
-            <a:off x="432143" y="381486"/>
-            <a:ext cx="8761413" cy="706964"/>
-          </a:xfrm>
-        </p:spPr>
-        <p:txBody>
-          <a:bodyPr/>
-          <a:lstStyle/>
-          <a:p>
-            <a:r>
-              <a:rPr lang="en-IN" dirty="0"/>
-              <a:t>SOLID Principles Applied</a:t>
-            </a:r>
-          </a:p>
-        </p:txBody>
-      </p:sp>
-      <p:pic>
-        <p:nvPicPr>
-          <p:cNvPr id="1028" name="Picture 4" descr="http://brendan.enrick.com/image.axd?picture=SingleResponsibilityPrinciple.jpg">
-            <a:extLst>
-              <a:ext uri="{FF2B5EF4-FFF2-40B4-BE49-F238E27FC236}">
-                <a16:creationId xmlns:a16="http://schemas.microsoft.com/office/drawing/2014/main" id="{E5562238-241E-4A6A-87A4-FC535E93E233}"/>
+                <a16:creationId xmlns:a16="http://schemas.microsoft.com/office/drawing/2014/main" id="{B88FE0C3-D598-434C-80D1-E4FA8A656904}"/>
               </a:ext>
             </a:extLst>
           </p:cNvPr>
@@ -14607,8 +14822,8 @@
         </p:blipFill>
         <p:spPr bwMode="auto">
           <a:xfrm>
-            <a:off x="556835" y="1531018"/>
-            <a:ext cx="2783308" cy="2783308"/>
+            <a:off x="398824" y="1008503"/>
+            <a:ext cx="2932611" cy="2932611"/>
           </a:xfrm>
           <a:prstGeom prst="rect">
             <a:avLst/>
@@ -14627,10 +14842,10 @@
       </p:pic>
       <p:pic>
         <p:nvPicPr>
-          <p:cNvPr id="4" name="Picture 3">
+          <p:cNvPr id="3" name="Picture 2">
             <a:extLst>
               <a:ext uri="{FF2B5EF4-FFF2-40B4-BE49-F238E27FC236}">
-                <a16:creationId xmlns:a16="http://schemas.microsoft.com/office/drawing/2014/main" id="{94388559-FBC0-4B8C-98FD-FE452A6E79BA}"/>
+                <a16:creationId xmlns:a16="http://schemas.microsoft.com/office/drawing/2014/main" id="{240EACA2-049C-470A-A6B9-74FF045B35FE}"/>
               </a:ext>
             </a:extLst>
           </p:cNvPr>
@@ -14647,7 +14862,7 @@
         </p:blipFill>
         <p:spPr>
           <a:xfrm>
-            <a:off x="2915634" y="4080431"/>
+            <a:off x="3023776" y="3871425"/>
             <a:ext cx="2783308" cy="2777569"/>
           </a:xfrm>
           <a:prstGeom prst="rect">
@@ -14657,10 +14872,10 @@
       </p:pic>
       <p:pic>
         <p:nvPicPr>
-          <p:cNvPr id="5" name="Picture 4">
+          <p:cNvPr id="4" name="Picture 3">
             <a:extLst>
               <a:ext uri="{FF2B5EF4-FFF2-40B4-BE49-F238E27FC236}">
-                <a16:creationId xmlns:a16="http://schemas.microsoft.com/office/drawing/2014/main" id="{6DD372F4-778C-47C1-8DE9-A607CA27FCC1}"/>
+                <a16:creationId xmlns:a16="http://schemas.microsoft.com/office/drawing/2014/main" id="{F20B5510-9D32-4F1A-A80B-4C5CF3B1D5FA}"/>
               </a:ext>
             </a:extLst>
           </p:cNvPr>
@@ -14677,8 +14892,8 @@
         </p:blipFill>
         <p:spPr>
           <a:xfrm>
-            <a:off x="6774229" y="3999468"/>
-            <a:ext cx="2932611" cy="2783309"/>
+            <a:off x="4277895" y="1008503"/>
+            <a:ext cx="3096802" cy="2939141"/>
           </a:xfrm>
           <a:prstGeom prst="rect">
             <a:avLst/>
@@ -14687,10 +14902,10 @@
       </p:pic>
       <p:pic>
         <p:nvPicPr>
-          <p:cNvPr id="6" name="Picture 5">
+          <p:cNvPr id="5" name="Picture 4">
             <a:extLst>
               <a:ext uri="{FF2B5EF4-FFF2-40B4-BE49-F238E27FC236}">
-                <a16:creationId xmlns:a16="http://schemas.microsoft.com/office/drawing/2014/main" id="{7B1599C6-39F4-47AF-AA82-ABA22EF1B576}"/>
+                <a16:creationId xmlns:a16="http://schemas.microsoft.com/office/drawing/2014/main" id="{4B40EA13-5A9D-4653-9E0C-0CBDF98EB977}"/>
               </a:ext>
             </a:extLst>
           </p:cNvPr>
@@ -14707,8 +14922,8 @@
         </p:blipFill>
         <p:spPr>
           <a:xfrm>
-            <a:off x="8708520" y="1088450"/>
-            <a:ext cx="3026118" cy="3013665"/>
+            <a:off x="6850211" y="3752045"/>
+            <a:ext cx="3028791" cy="3016327"/>
           </a:xfrm>
           <a:prstGeom prst="rect">
             <a:avLst/>
@@ -14717,10 +14932,10 @@
       </p:pic>
       <p:pic>
         <p:nvPicPr>
-          <p:cNvPr id="7" name="Picture 6">
+          <p:cNvPr id="6" name="Picture 5">
             <a:extLst>
               <a:ext uri="{FF2B5EF4-FFF2-40B4-BE49-F238E27FC236}">
-                <a16:creationId xmlns:a16="http://schemas.microsoft.com/office/drawing/2014/main" id="{FDB75099-D862-45B9-A09C-97630FA3C312}"/>
+                <a16:creationId xmlns:a16="http://schemas.microsoft.com/office/drawing/2014/main" id="{DC1334DE-FA29-402C-BF99-BFE026FFC2D1}"/>
               </a:ext>
             </a:extLst>
           </p:cNvPr>
@@ -14737,18 +14952,127 @@
         </p:blipFill>
         <p:spPr>
           <a:xfrm>
-            <a:off x="4928654" y="1463041"/>
-            <a:ext cx="2617390" cy="2617390"/>
+            <a:off x="8979404" y="1015034"/>
+            <a:ext cx="2932610" cy="2932610"/>
           </a:xfrm>
           <a:prstGeom prst="rect">
             <a:avLst/>
           </a:prstGeom>
         </p:spPr>
       </p:pic>
+      <p:sp>
+        <p:nvSpPr>
+          <p:cNvPr id="7" name="Title 1">
+            <a:extLst>
+              <a:ext uri="{FF2B5EF4-FFF2-40B4-BE49-F238E27FC236}">
+                <a16:creationId xmlns:a16="http://schemas.microsoft.com/office/drawing/2014/main" id="{B4466464-D4BD-498A-8AC2-DE43BE9DCAF2}"/>
+              </a:ext>
+            </a:extLst>
+          </p:cNvPr>
+          <p:cNvSpPr txBox="1">
+            <a:spLocks/>
+          </p:cNvSpPr>
+          <p:nvPr/>
+        </p:nvSpPr>
+        <p:spPr>
+          <a:xfrm>
+            <a:off x="432143" y="381486"/>
+            <a:ext cx="8761413" cy="706964"/>
+          </a:xfrm>
+          <a:prstGeom prst="rect">
+            <a:avLst/>
+          </a:prstGeom>
+        </p:spPr>
+        <p:txBody>
+          <a:bodyPr/>
+          <a:lstStyle>
+            <a:lvl1pPr algn="l" defTabSz="457200" rtl="0" eaLnBrk="1" latinLnBrk="0" hangingPunct="1">
+              <a:spcBef>
+                <a:spcPct val="0"/>
+              </a:spcBef>
+              <a:buNone/>
+              <a:defRPr sz="3600" b="0" i="0" kern="1200">
+                <a:solidFill>
+                  <a:schemeClr val="bg2"/>
+                </a:solidFill>
+                <a:latin typeface="+mj-lt"/>
+                <a:ea typeface="+mj-ea"/>
+                <a:cs typeface="+mj-cs"/>
+              </a:defRPr>
+            </a:lvl1pPr>
+            <a:lvl2pPr eaLnBrk="1" hangingPunct="1">
+              <a:defRPr>
+                <a:solidFill>
+                  <a:schemeClr val="tx2"/>
+                </a:solidFill>
+              </a:defRPr>
+            </a:lvl2pPr>
+            <a:lvl3pPr eaLnBrk="1" hangingPunct="1">
+              <a:defRPr>
+                <a:solidFill>
+                  <a:schemeClr val="tx2"/>
+                </a:solidFill>
+              </a:defRPr>
+            </a:lvl3pPr>
+            <a:lvl4pPr eaLnBrk="1" hangingPunct="1">
+              <a:defRPr>
+                <a:solidFill>
+                  <a:schemeClr val="tx2"/>
+                </a:solidFill>
+              </a:defRPr>
+            </a:lvl4pPr>
+            <a:lvl5pPr eaLnBrk="1" hangingPunct="1">
+              <a:defRPr>
+                <a:solidFill>
+                  <a:schemeClr val="tx2"/>
+                </a:solidFill>
+              </a:defRPr>
+            </a:lvl5pPr>
+            <a:lvl6pPr eaLnBrk="1" hangingPunct="1">
+              <a:defRPr>
+                <a:solidFill>
+                  <a:schemeClr val="tx2"/>
+                </a:solidFill>
+              </a:defRPr>
+            </a:lvl6pPr>
+            <a:lvl7pPr eaLnBrk="1" hangingPunct="1">
+              <a:defRPr>
+                <a:solidFill>
+                  <a:schemeClr val="tx2"/>
+                </a:solidFill>
+              </a:defRPr>
+            </a:lvl7pPr>
+            <a:lvl8pPr eaLnBrk="1" hangingPunct="1">
+              <a:defRPr>
+                <a:solidFill>
+                  <a:schemeClr val="tx2"/>
+                </a:solidFill>
+              </a:defRPr>
+            </a:lvl8pPr>
+            <a:lvl9pPr eaLnBrk="1" hangingPunct="1">
+              <a:defRPr>
+                <a:solidFill>
+                  <a:schemeClr val="tx2"/>
+                </a:solidFill>
+              </a:defRPr>
+            </a:lvl9pPr>
+          </a:lstStyle>
+          <a:p>
+            <a:r>
+              <a:rPr lang="en-IN" dirty="0">
+                <a:highlight>
+                  <a:srgbClr val="800080"/>
+                </a:highlight>
+              </a:rPr>
+              <a:t>SOLID Principles Applied</a:t>
+            </a:r>
+          </a:p>
+        </p:txBody>
+      </p:sp>
     </p:spTree>
     <p:extLst>
       <p:ext uri="{BB962C8B-B14F-4D97-AF65-F5344CB8AC3E}">
-        <p14:creationId xmlns:p14="http://schemas.microsoft.com/office/powerpoint/2010/main" val="343085387"/>
+        <p14:creationId xmlns:p14="http://schemas.microsoft.com/office/powerpoint/2010/main" val="1232062698"/>
       </p:ext>
     </p:extLst>
   </p:cSld>
@@ -14758,7 +15082,7 @@
 </p:sld>
 </file>
 
-<file path=ppt/slides/slide22.xml><?xml version="1.0" encoding="utf-8"?>
+<file path=ppt/slides/slide21.xml><?xml version="1.0" encoding="utf-8"?>
 <p:sld xmlns:a="http://schemas.openxmlformats.org/drawingml/2006/main" xmlns:r="http://schemas.openxmlformats.org/officeDocument/2006/relationships" xmlns:p="http://schemas.openxmlformats.org/presentationml/2006/main">
   <p:cSld>
     <p:spTree>
@@ -14843,7 +15167,7 @@
 </p:sld>
 </file>
 
-<file path=ppt/slides/slide23.xml><?xml version="1.0" encoding="utf-8"?>
+<file path=ppt/slides/slide22.xml><?xml version="1.0" encoding="utf-8"?>
 <p:sld xmlns:a="http://schemas.openxmlformats.org/drawingml/2006/main" xmlns:r="http://schemas.openxmlformats.org/officeDocument/2006/relationships" xmlns:p="http://schemas.openxmlformats.org/presentationml/2006/main">
   <p:cSld>
     <p:spTree>
